--- a/RA-L Hetro Sensors/pictures/StraightvsBent_pic.pptx
+++ b/RA-L Hetro Sensors/pictures/StraightvsBent_pic.pptx
@@ -238,7 +238,7 @@
           <a:p>
             <a:fld id="{8AFC8C3F-6026-4749-AD6B-D9FA96E56B61}" type="datetimeFigureOut">
               <a:rPr lang="en-US" smtClean="0"/>
-              <a:t>9/6/2016</a:t>
+              <a:t>9/10/16</a:t>
             </a:fld>
             <a:endParaRPr lang="en-US"/>
           </a:p>
@@ -408,7 +408,7 @@
           <a:p>
             <a:fld id="{8AFC8C3F-6026-4749-AD6B-D9FA96E56B61}" type="datetimeFigureOut">
               <a:rPr lang="en-US" smtClean="0"/>
-              <a:t>9/6/2016</a:t>
+              <a:t>9/10/16</a:t>
             </a:fld>
             <a:endParaRPr lang="en-US"/>
           </a:p>
@@ -588,7 +588,7 @@
           <a:p>
             <a:fld id="{8AFC8C3F-6026-4749-AD6B-D9FA96E56B61}" type="datetimeFigureOut">
               <a:rPr lang="en-US" smtClean="0"/>
-              <a:t>9/6/2016</a:t>
+              <a:t>9/10/16</a:t>
             </a:fld>
             <a:endParaRPr lang="en-US"/>
           </a:p>
@@ -758,7 +758,7 @@
           <a:p>
             <a:fld id="{8AFC8C3F-6026-4749-AD6B-D9FA96E56B61}" type="datetimeFigureOut">
               <a:rPr lang="en-US" smtClean="0"/>
-              <a:t>9/6/2016</a:t>
+              <a:t>9/10/16</a:t>
             </a:fld>
             <a:endParaRPr lang="en-US"/>
           </a:p>
@@ -1002,7 +1002,7 @@
           <a:p>
             <a:fld id="{8AFC8C3F-6026-4749-AD6B-D9FA96E56B61}" type="datetimeFigureOut">
               <a:rPr lang="en-US" smtClean="0"/>
-              <a:t>9/6/2016</a:t>
+              <a:t>9/10/16</a:t>
             </a:fld>
             <a:endParaRPr lang="en-US"/>
           </a:p>
@@ -1234,7 +1234,7 @@
           <a:p>
             <a:fld id="{8AFC8C3F-6026-4749-AD6B-D9FA96E56B61}" type="datetimeFigureOut">
               <a:rPr lang="en-US" smtClean="0"/>
-              <a:t>9/6/2016</a:t>
+              <a:t>9/10/16</a:t>
             </a:fld>
             <a:endParaRPr lang="en-US"/>
           </a:p>
@@ -1601,7 +1601,7 @@
           <a:p>
             <a:fld id="{8AFC8C3F-6026-4749-AD6B-D9FA96E56B61}" type="datetimeFigureOut">
               <a:rPr lang="en-US" smtClean="0"/>
-              <a:t>9/6/2016</a:t>
+              <a:t>9/10/16</a:t>
             </a:fld>
             <a:endParaRPr lang="en-US"/>
           </a:p>
@@ -1719,7 +1719,7 @@
           <a:p>
             <a:fld id="{8AFC8C3F-6026-4749-AD6B-D9FA96E56B61}" type="datetimeFigureOut">
               <a:rPr lang="en-US" smtClean="0"/>
-              <a:t>9/6/2016</a:t>
+              <a:t>9/10/16</a:t>
             </a:fld>
             <a:endParaRPr lang="en-US"/>
           </a:p>
@@ -1814,7 +1814,7 @@
           <a:p>
             <a:fld id="{8AFC8C3F-6026-4749-AD6B-D9FA96E56B61}" type="datetimeFigureOut">
               <a:rPr lang="en-US" smtClean="0"/>
-              <a:t>9/6/2016</a:t>
+              <a:t>9/10/16</a:t>
             </a:fld>
             <a:endParaRPr lang="en-US"/>
           </a:p>
@@ -2091,7 +2091,7 @@
           <a:p>
             <a:fld id="{8AFC8C3F-6026-4749-AD6B-D9FA96E56B61}" type="datetimeFigureOut">
               <a:rPr lang="en-US" smtClean="0"/>
-              <a:t>9/6/2016</a:t>
+              <a:t>9/10/16</a:t>
             </a:fld>
             <a:endParaRPr lang="en-US"/>
           </a:p>
@@ -2348,7 +2348,7 @@
           <a:p>
             <a:fld id="{8AFC8C3F-6026-4749-AD6B-D9FA96E56B61}" type="datetimeFigureOut">
               <a:rPr lang="en-US" smtClean="0"/>
-              <a:t>9/6/2016</a:t>
+              <a:t>9/10/16</a:t>
             </a:fld>
             <a:endParaRPr lang="en-US"/>
           </a:p>
@@ -2561,7 +2561,7 @@
           <a:p>
             <a:fld id="{8AFC8C3F-6026-4749-AD6B-D9FA96E56B61}" type="datetimeFigureOut">
               <a:rPr lang="en-US" smtClean="0"/>
-              <a:t>9/6/2016</a:t>
+              <a:t>9/10/16</a:t>
             </a:fld>
             <a:endParaRPr lang="en-US"/>
           </a:p>
@@ -3046,7 +3046,7 @@
               <a:stretch/>
             </p:blipFill>
             <p:spPr bwMode="auto">
-              <a:xfrm rot="16200000">
+              <a:xfrm rot="5400000" flipH="1">
                 <a:off x="2094054" y="2755847"/>
                 <a:ext cx="1115733" cy="1333808"/>
               </a:xfrm>
@@ -3055,7 +3055,7 @@
               </a:prstGeom>
               <a:noFill/>
               <a:extLst>
-                <a:ext uri="{909E8E84-426E-40DD-AFC4-6F175D3DCCD1}">
+                <a:ext uri="{909E8E84-426E-40dd-AFC4-6F175D3DCCD1}">
                   <a14:hiddenFill xmlns:a14="http://schemas.microsoft.com/office/drawing/2010/main">
                     <a:solidFill>
                       <a:srgbClr val="FFFFFF"/>
@@ -3125,7 +3125,7 @@
           <p:spPr>
             <a:xfrm>
               <a:off x="2325713" y="3754786"/>
-              <a:ext cx="1562737" cy="334259"/>
+              <a:ext cx="1704213" cy="334245"/>
             </a:xfrm>
             <a:prstGeom prst="rect">
               <a:avLst/>
@@ -3146,7 +3146,7 @@
                     </a:schemeClr>
                   </a:solidFill>
                 </a:rPr>
-                <a:t> Bent      Straight</a:t>
+                <a:t>Straight   Twisted</a:t>
               </a:r>
               <a:endParaRPr lang="en-US" dirty="0">
                 <a:solidFill>
@@ -3215,7 +3215,7 @@
     </a:clrScheme>
     <a:fontScheme name="Office Theme">
       <a:majorFont>
-        <a:latin typeface="Calibri Light" panose="020F0302020204030204"/>
+        <a:latin typeface="Calibri Light"/>
         <a:ea typeface=""/>
         <a:cs typeface=""/>
         <a:font script="Jpan" typeface="ＭＳ Ｐゴシック"/>
@@ -3250,7 +3250,7 @@
         <a:font script="Geor" typeface="Sylfaen"/>
       </a:majorFont>
       <a:minorFont>
-        <a:latin typeface="Calibri" panose="020F0502020204030204"/>
+        <a:latin typeface="Calibri"/>
         <a:ea typeface=""/>
         <a:cs typeface=""/>
         <a:font script="Jpan" typeface="ＭＳ Ｐゴシック"/>
@@ -3427,7 +3427,7 @@
   <a:extraClrSchemeLst/>
   <a:extLst>
     <a:ext uri="{05A4C25C-085E-4340-85A3-A5531E510DB2}">
-      <thm15:themeFamily xmlns:thm15="http://schemas.microsoft.com/office/thememl/2012/main" name="Office Theme" id="{62F939B6-93AF-4DB8-9C6B-D6C7DFDC589F}" vid="{4A3C46E8-61CC-4603-A589-7422A47A8E4A}"/>
+      <thm15:themeFamily xmlns:thm15="http://schemas.microsoft.com/office/thememl/2012/main" xmlns="" name="Office Theme" id="{62F939B6-93AF-4DB8-9C6B-D6C7DFDC589F}" vid="{4A3C46E8-61CC-4603-A589-7422A47A8E4A}"/>
     </a:ext>
   </a:extLst>
 </a:theme>
